--- a/w6/Producer_Consumer_optional.pptx
+++ b/w6/Producer_Consumer_optional.pptx
@@ -144,6 +144,35 @@
 </p:presentation>
 </file>
 
+<file path=ppt/changesInfos/changesInfo1.xml><?xml version="1.0" encoding="utf-8"?>
+<pc:chgInfo xmlns:a="http://schemas.openxmlformats.org/drawingml/2006/main" xmlns:r="http://schemas.openxmlformats.org/officeDocument/2006/relationships" xmlns:ac="http://schemas.microsoft.com/office/drawing/2013/main/command" xmlns:pc="http://schemas.microsoft.com/office/powerpoint/2013/main/command">
+  <pc:docChgLst>
+    <pc:chgData name="Seyed Hosseini" userId="93be352b-2439-49f8-9881-833880efc01d" providerId="ADAL" clId="{6DA1EF30-2F16-4A6D-81D3-4F59020DC00C}"/>
+    <pc:docChg chg="modSld">
+      <pc:chgData name="Seyed Hosseini" userId="93be352b-2439-49f8-9881-833880efc01d" providerId="ADAL" clId="{6DA1EF30-2F16-4A6D-81D3-4F59020DC00C}" dt="2025-10-03T17:48:20.516" v="12" actId="20577"/>
+      <pc:docMkLst>
+        <pc:docMk/>
+      </pc:docMkLst>
+      <pc:sldChg chg="modSp mod">
+        <pc:chgData name="Seyed Hosseini" userId="93be352b-2439-49f8-9881-833880efc01d" providerId="ADAL" clId="{6DA1EF30-2F16-4A6D-81D3-4F59020DC00C}" dt="2025-10-03T17:48:20.516" v="12" actId="20577"/>
+        <pc:sldMkLst>
+          <pc:docMk/>
+          <pc:sldMk cId="0" sldId="256"/>
+        </pc:sldMkLst>
+        <pc:spChg chg="mod">
+          <ac:chgData name="Seyed Hosseini" userId="93be352b-2439-49f8-9881-833880efc01d" providerId="ADAL" clId="{6DA1EF30-2F16-4A6D-81D3-4F59020DC00C}" dt="2025-10-03T17:48:20.516" v="12" actId="20577"/>
+          <ac:spMkLst>
+            <pc:docMk/>
+            <pc:sldMk cId="0" sldId="256"/>
+            <ac:spMk id="3" creationId="{00000000-0000-0000-0000-000000000000}"/>
+          </ac:spMkLst>
+        </pc:spChg>
+      </pc:sldChg>
+    </pc:docChg>
+  </pc:docChgLst>
+</pc:chgInfo>
+</file>
+
 <file path=ppt/slideLayouts/slideLayout1.xml><?xml version="1.0" encoding="utf-8"?>
 <p:sldLayout xmlns:a="http://schemas.openxmlformats.org/drawingml/2006/main" xmlns:r="http://schemas.openxmlformats.org/officeDocument/2006/relationships" xmlns:p="http://schemas.openxmlformats.org/presentationml/2006/main" showMasterSp="0" type="title" preserve="1">
   <p:cSld name="Title Slide">
@@ -434,7 +463,7 @@
             <a:fld id="{1D8BD707-D9CF-40AE-B4C6-C98DA3205C09}" type="datetimeFigureOut">
               <a:rPr lang="en-US" smtClean="0"/>
               <a:pPr/>
-              <a:t>2/20/2025</a:t>
+              <a:t>10/3/2025</a:t>
             </a:fld>
             <a:endParaRPr lang="en-US"/>
           </a:p>
@@ -626,7 +655,7 @@
             <a:fld id="{1D8BD707-D9CF-40AE-B4C6-C98DA3205C09}" type="datetimeFigureOut">
               <a:rPr lang="en-US" smtClean="0"/>
               <a:pPr/>
-              <a:t>2/20/2025</a:t>
+              <a:t>10/3/2025</a:t>
             </a:fld>
             <a:endParaRPr lang="en-US"/>
           </a:p>
@@ -812,7 +841,7 @@
             <a:fld id="{1D8BD707-D9CF-40AE-B4C6-C98DA3205C09}" type="datetimeFigureOut">
               <a:rPr lang="en-US" smtClean="0"/>
               <a:pPr/>
-              <a:t>2/20/2025</a:t>
+              <a:t>10/3/2025</a:t>
             </a:fld>
             <a:endParaRPr lang="en-US"/>
           </a:p>
@@ -1076,7 +1105,7 @@
             <a:fld id="{1D8BD707-D9CF-40AE-B4C6-C98DA3205C09}" type="datetimeFigureOut">
               <a:rPr lang="en-US" smtClean="0"/>
               <a:pPr/>
-              <a:t>2/20/2025</a:t>
+              <a:t>10/3/2025</a:t>
             </a:fld>
             <a:endParaRPr lang="en-US"/>
           </a:p>
@@ -1493,7 +1522,7 @@
             <a:fld id="{1D8BD707-D9CF-40AE-B4C6-C98DA3205C09}" type="datetimeFigureOut">
               <a:rPr lang="en-US" smtClean="0"/>
               <a:pPr/>
-              <a:t>2/20/2025</a:t>
+              <a:t>10/3/2025</a:t>
             </a:fld>
             <a:endParaRPr lang="en-US"/>
           </a:p>
@@ -1736,7 +1765,7 @@
             <a:fld id="{1D8BD707-D9CF-40AE-B4C6-C98DA3205C09}" type="datetimeFigureOut">
               <a:rPr lang="en-US" smtClean="0"/>
               <a:pPr/>
-              <a:t>2/20/2025</a:t>
+              <a:t>10/3/2025</a:t>
             </a:fld>
             <a:endParaRPr lang="en-US"/>
           </a:p>
@@ -1973,7 +2002,7 @@
             <a:fld id="{1D8BD707-D9CF-40AE-B4C6-C98DA3205C09}" type="datetimeFigureOut">
               <a:rPr lang="en-US" smtClean="0"/>
               <a:pPr/>
-              <a:t>2/20/2025</a:t>
+              <a:t>10/3/2025</a:t>
             </a:fld>
             <a:endParaRPr lang="en-US"/>
           </a:p>
@@ -2169,7 +2198,7 @@
             <a:fld id="{1D8BD707-D9CF-40AE-B4C6-C98DA3205C09}" type="datetimeFigureOut">
               <a:rPr lang="en-US" smtClean="0"/>
               <a:pPr/>
-              <a:t>2/20/2025</a:t>
+              <a:t>10/3/2025</a:t>
             </a:fld>
             <a:endParaRPr lang="en-US"/>
           </a:p>
@@ -2269,7 +2298,7 @@
             <a:fld id="{1D8BD707-D9CF-40AE-B4C6-C98DA3205C09}" type="datetimeFigureOut">
               <a:rPr lang="en-US" smtClean="0"/>
               <a:pPr/>
-              <a:t>2/20/2025</a:t>
+              <a:t>10/3/2025</a:t>
             </a:fld>
             <a:endParaRPr lang="en-US"/>
           </a:p>
@@ -2406,7 +2435,7 @@
             <a:fld id="{1D8BD707-D9CF-40AE-B4C6-C98DA3205C09}" type="datetimeFigureOut">
               <a:rPr lang="en-US" smtClean="0"/>
               <a:pPr/>
-              <a:t>2/20/2025</a:t>
+              <a:t>10/3/2025</a:t>
             </a:fld>
             <a:endParaRPr lang="en-US"/>
           </a:p>
@@ -2925,7 +2954,7 @@
             <a:fld id="{1D8BD707-D9CF-40AE-B4C6-C98DA3205C09}" type="datetimeFigureOut">
               <a:rPr lang="en-US" smtClean="0"/>
               <a:pPr/>
-              <a:t>2/20/2025</a:t>
+              <a:t>10/3/2025</a:t>
             </a:fld>
             <a:endParaRPr lang="en-US"/>
           </a:p>
@@ -3186,7 +3215,7 @@
             <a:fld id="{1D8BD707-D9CF-40AE-B4C6-C98DA3205C09}" type="datetimeFigureOut">
               <a:rPr lang="en-US" smtClean="0"/>
               <a:pPr/>
-              <a:t>2/20/2025</a:t>
+              <a:t>10/3/2025</a:t>
             </a:fld>
             <a:endParaRPr lang="en-US"/>
           </a:p>
@@ -3773,28 +3802,8 @@
           <a:lstStyle/>
           <a:p>
             <a:r>
-              <a:rPr lang="en-US" dirty="0"/>
-              <a:t>Hossein </a:t>
-            </a:r>
-            <a:r>
-              <a:rPr lang="en-US" sz="1800" dirty="0"/>
-              <a:t>based on Prof. </a:t>
-            </a:r>
-            <a:r>
-              <a:rPr lang="en-US" sz="1800" dirty="0" err="1"/>
-              <a:t>Saeid</a:t>
-            </a:r>
-            <a:r>
-              <a:rPr lang="en-US" sz="1800" dirty="0"/>
-              <a:t> </a:t>
-            </a:r>
-            <a:r>
-              <a:rPr lang="en-US" sz="1800" dirty="0" err="1"/>
-              <a:t>Abrishami</a:t>
-            </a:r>
-            <a:r>
-              <a:rPr lang="en-US" sz="1800" dirty="0"/>
-              <a:t> Slides</a:t>
+              <a:rPr lang="en-US"/>
+              <a:t>OS Fall 2025</a:t>
             </a:r>
             <a:endParaRPr lang="en-US" dirty="0"/>
           </a:p>
